--- a/Lectures/MLP.pptx
+++ b/Lectures/MLP.pptx
@@ -13,6 +13,14 @@
     <p:sldId id="261" r:id="rId7"/>
     <p:sldId id="262" r:id="rId8"/>
     <p:sldId id="263" r:id="rId9"/>
+    <p:sldId id="264" r:id="rId10"/>
+    <p:sldId id="265" r:id="rId11"/>
+    <p:sldId id="266" r:id="rId12"/>
+    <p:sldId id="267" r:id="rId13"/>
+    <p:sldId id="268" r:id="rId14"/>
+    <p:sldId id="269" r:id="rId15"/>
+    <p:sldId id="270" r:id="rId16"/>
+    <p:sldId id="271" r:id="rId17"/>
   </p:sldIdLst>
   <p:sldSz cx="12192000" cy="6858000"/>
   <p:notesSz cx="6858000" cy="9144000"/>
@@ -111,6 +119,11 @@
       </a:defRPr>
     </a:lvl9pPr>
   </p:defaultTextStyle>
+  <p:extLst>
+    <p:ext uri="{EFAFB233-063F-42B5-8137-9DF3F51BA10A}">
+      <p15:sldGuideLst xmlns:p15="http://schemas.microsoft.com/office/powerpoint/2012/main"/>
+    </p:ext>
+  </p:extLst>
 </p:presentation>
 </file>
 
@@ -568,7 +581,7 @@
           <a:p>
             <a:fld id="{74A65D6A-A143-4012-ADAE-489F92B0DA96}" type="datetimeFigureOut">
               <a:rPr lang="en-US" smtClean="0"/>
-              <a:t>7/27/2024</a:t>
+              <a:t>7/28/2024</a:t>
             </a:fld>
             <a:endParaRPr lang="en-US"/>
           </a:p>
@@ -905,7 +918,7 @@
           <a:p>
             <a:fld id="{74A65D6A-A143-4012-ADAE-489F92B0DA96}" type="datetimeFigureOut">
               <a:rPr lang="en-US" smtClean="0"/>
-              <a:t>7/27/2024</a:t>
+              <a:t>7/28/2024</a:t>
             </a:fld>
             <a:endParaRPr lang="en-US"/>
           </a:p>
@@ -1101,7 +1114,7 @@
           <a:p>
             <a:fld id="{74A65D6A-A143-4012-ADAE-489F92B0DA96}" type="datetimeFigureOut">
               <a:rPr lang="en-US" smtClean="0"/>
-              <a:t>7/27/2024</a:t>
+              <a:t>7/28/2024</a:t>
             </a:fld>
             <a:endParaRPr lang="en-US"/>
           </a:p>
@@ -1371,7 +1384,7 @@
           <a:p>
             <a:fld id="{74A65D6A-A143-4012-ADAE-489F92B0DA96}" type="datetimeFigureOut">
               <a:rPr lang="en-US" smtClean="0"/>
-              <a:t>7/27/2024</a:t>
+              <a:t>7/28/2024</a:t>
             </a:fld>
             <a:endParaRPr lang="en-US"/>
           </a:p>
@@ -1799,7 +1812,7 @@
           <a:p>
             <a:fld id="{74A65D6A-A143-4012-ADAE-489F92B0DA96}" type="datetimeFigureOut">
               <a:rPr lang="en-US" smtClean="0"/>
-              <a:t>7/27/2024</a:t>
+              <a:t>7/28/2024</a:t>
             </a:fld>
             <a:endParaRPr lang="en-US"/>
           </a:p>
@@ -2349,7 +2362,7 @@
           <a:p>
             <a:fld id="{74A65D6A-A143-4012-ADAE-489F92B0DA96}" type="datetimeFigureOut">
               <a:rPr lang="en-US" smtClean="0"/>
-              <a:t>7/27/2024</a:t>
+              <a:t>7/28/2024</a:t>
             </a:fld>
             <a:endParaRPr lang="en-US"/>
           </a:p>
@@ -3139,7 +3152,7 @@
           <a:p>
             <a:fld id="{74A65D6A-A143-4012-ADAE-489F92B0DA96}" type="datetimeFigureOut">
               <a:rPr lang="en-US" smtClean="0"/>
-              <a:t>7/27/2024</a:t>
+              <a:t>7/28/2024</a:t>
             </a:fld>
             <a:endParaRPr lang="en-US"/>
           </a:p>
@@ -3318,7 +3331,7 @@
           <a:p>
             <a:fld id="{74A65D6A-A143-4012-ADAE-489F92B0DA96}" type="datetimeFigureOut">
               <a:rPr lang="en-US" smtClean="0"/>
-              <a:t>7/27/2024</a:t>
+              <a:t>7/28/2024</a:t>
             </a:fld>
             <a:endParaRPr lang="en-US"/>
           </a:p>
@@ -3502,7 +3515,7 @@
           <a:p>
             <a:fld id="{74A65D6A-A143-4012-ADAE-489F92B0DA96}" type="datetimeFigureOut">
               <a:rPr lang="en-US" smtClean="0"/>
-              <a:t>7/27/2024</a:t>
+              <a:t>7/28/2024</a:t>
             </a:fld>
             <a:endParaRPr lang="en-US"/>
           </a:p>
@@ -3677,7 +3690,7 @@
           <a:p>
             <a:fld id="{74A65D6A-A143-4012-ADAE-489F92B0DA96}" type="datetimeFigureOut">
               <a:rPr lang="en-US" smtClean="0"/>
-              <a:t>7/27/2024</a:t>
+              <a:t>7/28/2024</a:t>
             </a:fld>
             <a:endParaRPr lang="en-US"/>
           </a:p>
@@ -3927,7 +3940,7 @@
           <a:p>
             <a:fld id="{74A65D6A-A143-4012-ADAE-489F92B0DA96}" type="datetimeFigureOut">
               <a:rPr lang="en-US" smtClean="0"/>
-              <a:t>7/27/2024</a:t>
+              <a:t>7/28/2024</a:t>
             </a:fld>
             <a:endParaRPr lang="en-US"/>
           </a:p>
@@ -4164,7 +4177,7 @@
           <a:p>
             <a:fld id="{74A65D6A-A143-4012-ADAE-489F92B0DA96}" type="datetimeFigureOut">
               <a:rPr lang="en-US" smtClean="0"/>
-              <a:t>7/27/2024</a:t>
+              <a:t>7/28/2024</a:t>
             </a:fld>
             <a:endParaRPr lang="en-US"/>
           </a:p>
@@ -4549,7 +4562,7 @@
           <a:p>
             <a:fld id="{74A65D6A-A143-4012-ADAE-489F92B0DA96}" type="datetimeFigureOut">
               <a:rPr lang="en-US" smtClean="0"/>
-              <a:t>7/27/2024</a:t>
+              <a:t>7/28/2024</a:t>
             </a:fld>
             <a:endParaRPr lang="en-US"/>
           </a:p>
@@ -4667,7 +4680,7 @@
           <a:p>
             <a:fld id="{74A65D6A-A143-4012-ADAE-489F92B0DA96}" type="datetimeFigureOut">
               <a:rPr lang="en-US" smtClean="0"/>
-              <a:t>7/27/2024</a:t>
+              <a:t>7/28/2024</a:t>
             </a:fld>
             <a:endParaRPr lang="en-US"/>
           </a:p>
@@ -4762,7 +4775,7 @@
           <a:p>
             <a:fld id="{74A65D6A-A143-4012-ADAE-489F92B0DA96}" type="datetimeFigureOut">
               <a:rPr lang="en-US" smtClean="0"/>
-              <a:t>7/27/2024</a:t>
+              <a:t>7/28/2024</a:t>
             </a:fld>
             <a:endParaRPr lang="en-US"/>
           </a:p>
@@ -5015,7 +5028,7 @@
           <a:p>
             <a:fld id="{74A65D6A-A143-4012-ADAE-489F92B0DA96}" type="datetimeFigureOut">
               <a:rPr lang="en-US" smtClean="0"/>
-              <a:t>7/27/2024</a:t>
+              <a:t>7/28/2024</a:t>
             </a:fld>
             <a:endParaRPr lang="en-US"/>
           </a:p>
@@ -5284,7 +5297,7 @@
           <a:p>
             <a:fld id="{74A65D6A-A143-4012-ADAE-489F92B0DA96}" type="datetimeFigureOut">
               <a:rPr lang="en-US" smtClean="0"/>
-              <a:t>7/27/2024</a:t>
+              <a:t>7/28/2024</a:t>
             </a:fld>
             <a:endParaRPr lang="en-US"/>
           </a:p>
@@ -5688,7 +5701,7 @@
           <a:p>
             <a:fld id="{74A65D6A-A143-4012-ADAE-489F92B0DA96}" type="datetimeFigureOut">
               <a:rPr lang="en-US" smtClean="0"/>
-              <a:t>7/27/2024</a:t>
+              <a:t>7/28/2024</a:t>
             </a:fld>
             <a:endParaRPr lang="en-US"/>
           </a:p>
@@ -6239,6 +6252,716 @@
 </p:sld>
 </file>
 
+<file path=ppt/slides/slide10.xml><?xml version="1.0" encoding="utf-8"?>
+<p:sld xmlns:a="http://schemas.openxmlformats.org/drawingml/2006/main" xmlns:r="http://schemas.openxmlformats.org/officeDocument/2006/relationships" xmlns:p="http://schemas.openxmlformats.org/presentationml/2006/main">
+  <p:cSld>
+    <p:spTree>
+      <p:nvGrpSpPr>
+        <p:cNvPr id="1" name=""/>
+        <p:cNvGrpSpPr/>
+        <p:nvPr/>
+      </p:nvGrpSpPr>
+      <p:grpSpPr>
+        <a:xfrm>
+          <a:off x="0" y="0"/>
+          <a:ext cx="0" cy="0"/>
+          <a:chOff x="0" y="0"/>
+          <a:chExt cx="0" cy="0"/>
+        </a:xfrm>
+      </p:grpSpPr>
+      <p:sp>
+        <p:nvSpPr>
+          <p:cNvPr id="2" name="Title 1"/>
+          <p:cNvSpPr>
+            <a:spLocks noGrp="1"/>
+          </p:cNvSpPr>
+          <p:nvPr>
+            <p:ph type="title"/>
+          </p:nvPr>
+        </p:nvSpPr>
+        <p:spPr>
+          <a:xfrm>
+            <a:off x="566471" y="685800"/>
+            <a:ext cx="10633363" cy="1151965"/>
+          </a:xfrm>
+        </p:spPr>
+        <p:txBody>
+          <a:bodyPr>
+            <a:noAutofit/>
+          </a:bodyPr>
+          <a:lstStyle/>
+          <a:p>
+            <a:r>
+              <a:rPr lang="en-US" sz="4400" dirty="0"/>
+              <a:t>Multi-layer </a:t>
+            </a:r>
+            <a:r>
+              <a:rPr lang="en-US" sz="4400" dirty="0" smtClean="0"/>
+              <a:t>perceptron Applications</a:t>
+            </a:r>
+            <a:r>
+              <a:rPr lang="en-US" sz="4400" dirty="0"/>
+              <a:t>:</a:t>
+            </a:r>
+          </a:p>
+        </p:txBody>
+      </p:sp>
+      <p:sp>
+        <p:nvSpPr>
+          <p:cNvPr id="3" name="Content Placeholder 2"/>
+          <p:cNvSpPr>
+            <a:spLocks noGrp="1"/>
+          </p:cNvSpPr>
+          <p:nvPr>
+            <p:ph sz="quarter" idx="13"/>
+          </p:nvPr>
+        </p:nvSpPr>
+        <p:spPr/>
+        <p:txBody>
+          <a:bodyPr>
+            <a:normAutofit/>
+          </a:bodyPr>
+          <a:lstStyle/>
+          <a:p>
+            <a:pPr marL="0" indent="0">
+              <a:buNone/>
+            </a:pPr>
+            <a:r>
+              <a:rPr lang="en-US" sz="2400" cap="none" dirty="0" err="1" smtClean="0"/>
+              <a:t>Mlps</a:t>
+            </a:r>
+            <a:r>
+              <a:rPr lang="en-US" sz="2400" cap="none" dirty="0" smtClean="0"/>
+              <a:t> are versatile and can be used for various tasks, including but not limited to:</a:t>
+            </a:r>
+          </a:p>
+          <a:p>
+            <a:r>
+              <a:rPr lang="en-US" sz="2400" cap="none" dirty="0" smtClean="0"/>
+              <a:t> Classification problems, both binary and multi-class.</a:t>
+            </a:r>
+          </a:p>
+          <a:p>
+            <a:r>
+              <a:rPr lang="en-US" sz="2400" cap="none" dirty="0" smtClean="0"/>
+              <a:t> Regression problems.</a:t>
+            </a:r>
+          </a:p>
+          <a:p>
+            <a:r>
+              <a:rPr lang="en-US" sz="2400" cap="none" dirty="0" smtClean="0"/>
+              <a:t> Pattern recognition.</a:t>
+            </a:r>
+          </a:p>
+          <a:p>
+            <a:r>
+              <a:rPr lang="en-US" sz="2400" cap="none" dirty="0" smtClean="0"/>
+              <a:t> Time series prediction.</a:t>
+            </a:r>
+            <a:endParaRPr lang="en-US" sz="2400" cap="none" dirty="0"/>
+          </a:p>
+        </p:txBody>
+      </p:sp>
+    </p:spTree>
+    <p:extLst>
+      <p:ext uri="{BB962C8B-B14F-4D97-AF65-F5344CB8AC3E}">
+        <p14:creationId xmlns:p14="http://schemas.microsoft.com/office/powerpoint/2010/main" val="406198800"/>
+      </p:ext>
+    </p:extLst>
+  </p:cSld>
+  <p:clrMapOvr>
+    <a:masterClrMapping/>
+  </p:clrMapOvr>
+</p:sld>
+</file>
+
+<file path=ppt/slides/slide11.xml><?xml version="1.0" encoding="utf-8"?>
+<p:sld xmlns:a="http://schemas.openxmlformats.org/drawingml/2006/main" xmlns:r="http://schemas.openxmlformats.org/officeDocument/2006/relationships" xmlns:p="http://schemas.openxmlformats.org/presentationml/2006/main">
+  <p:cSld>
+    <p:spTree>
+      <p:nvGrpSpPr>
+        <p:cNvPr id="1" name=""/>
+        <p:cNvGrpSpPr/>
+        <p:nvPr/>
+      </p:nvGrpSpPr>
+      <p:grpSpPr>
+        <a:xfrm>
+          <a:off x="0" y="0"/>
+          <a:ext cx="0" cy="0"/>
+          <a:chOff x="0" y="0"/>
+          <a:chExt cx="0" cy="0"/>
+        </a:xfrm>
+      </p:grpSpPr>
+      <p:sp>
+        <p:nvSpPr>
+          <p:cNvPr id="3" name="Content Placeholder 2"/>
+          <p:cNvSpPr>
+            <a:spLocks noGrp="1"/>
+          </p:cNvSpPr>
+          <p:nvPr>
+            <p:ph sz="quarter" idx="13"/>
+          </p:nvPr>
+        </p:nvSpPr>
+        <p:spPr>
+          <a:xfrm>
+            <a:off x="671946" y="858050"/>
+            <a:ext cx="10394707" cy="3311189"/>
+          </a:xfrm>
+        </p:spPr>
+        <p:txBody>
+          <a:bodyPr>
+            <a:normAutofit/>
+          </a:bodyPr>
+          <a:lstStyle/>
+          <a:p>
+            <a:pPr marL="0" indent="0" algn="just">
+              <a:buNone/>
+            </a:pPr>
+            <a:r>
+              <a:rPr lang="en-US" sz="2400" cap="none" dirty="0" smtClean="0"/>
+              <a:t>The multilayer perceptron is a foundational neural network model that paved the way for the development of deep learning. Its ability to learn from complex, non-linear datasets has made it a vital tool in the machine learning toolbox. However, MLPs can be prone to overfitting and may require careful tuning of parameters and architecture design.</a:t>
+            </a:r>
+            <a:endParaRPr lang="en-US" sz="2400" cap="none" dirty="0"/>
+          </a:p>
+        </p:txBody>
+      </p:sp>
+    </p:spTree>
+    <p:extLst>
+      <p:ext uri="{BB962C8B-B14F-4D97-AF65-F5344CB8AC3E}">
+        <p14:creationId xmlns:p14="http://schemas.microsoft.com/office/powerpoint/2010/main" val="3545641473"/>
+      </p:ext>
+    </p:extLst>
+  </p:cSld>
+  <p:clrMapOvr>
+    <a:masterClrMapping/>
+  </p:clrMapOvr>
+</p:sld>
+</file>
+
+<file path=ppt/slides/slide12.xml><?xml version="1.0" encoding="utf-8"?>
+<p:sld xmlns:a="http://schemas.openxmlformats.org/drawingml/2006/main" xmlns:r="http://schemas.openxmlformats.org/officeDocument/2006/relationships" xmlns:p="http://schemas.openxmlformats.org/presentationml/2006/main">
+  <p:cSld>
+    <p:spTree>
+      <p:nvGrpSpPr>
+        <p:cNvPr id="1" name=""/>
+        <p:cNvGrpSpPr/>
+        <p:nvPr/>
+      </p:nvGrpSpPr>
+      <p:grpSpPr>
+        <a:xfrm>
+          <a:off x="0" y="0"/>
+          <a:ext cx="0" cy="0"/>
+          <a:chOff x="0" y="0"/>
+          <a:chExt cx="0" cy="0"/>
+        </a:xfrm>
+      </p:grpSpPr>
+      <p:sp>
+        <p:nvSpPr>
+          <p:cNvPr id="2" name="Title 1"/>
+          <p:cNvSpPr>
+            <a:spLocks noGrp="1"/>
+          </p:cNvSpPr>
+          <p:nvPr>
+            <p:ph type="title"/>
+          </p:nvPr>
+        </p:nvSpPr>
+        <p:spPr/>
+        <p:txBody>
+          <a:bodyPr/>
+          <a:lstStyle/>
+          <a:p>
+            <a:r>
+              <a:rPr lang="en-US" dirty="0" smtClean="0"/>
+              <a:t>Deep learning libraries</a:t>
+            </a:r>
+            <a:endParaRPr lang="en-US" dirty="0"/>
+          </a:p>
+        </p:txBody>
+      </p:sp>
+      <p:sp>
+        <p:nvSpPr>
+          <p:cNvPr id="3" name="Content Placeholder 2"/>
+          <p:cNvSpPr>
+            <a:spLocks noGrp="1"/>
+          </p:cNvSpPr>
+          <p:nvPr>
+            <p:ph sz="quarter" idx="13"/>
+          </p:nvPr>
+        </p:nvSpPr>
+        <p:spPr>
+          <a:xfrm>
+            <a:off x="685801" y="1717033"/>
+            <a:ext cx="10394707" cy="3311189"/>
+          </a:xfrm>
+        </p:spPr>
+        <p:txBody>
+          <a:bodyPr/>
+          <a:lstStyle/>
+          <a:p>
+            <a:pPr marL="0" indent="0">
+              <a:buNone/>
+            </a:pPr>
+            <a:r>
+              <a:rPr lang="en-US" sz="3200" dirty="0" err="1" smtClean="0"/>
+              <a:t>Keras</a:t>
+            </a:r>
+            <a:r>
+              <a:rPr lang="en-US" sz="3200" dirty="0"/>
+              <a:t>:</a:t>
+            </a:r>
+          </a:p>
+          <a:p>
+            <a:pPr marL="0" indent="0" algn="just">
+              <a:buNone/>
+            </a:pPr>
+            <a:r>
+              <a:rPr lang="en-US" sz="2400" cap="none" dirty="0" smtClean="0"/>
+              <a:t>Initially developed as an interface for </a:t>
+            </a:r>
+            <a:r>
+              <a:rPr lang="en-US" sz="2400" cap="none" dirty="0" err="1" smtClean="0"/>
+              <a:t>tensorflow</a:t>
+            </a:r>
+            <a:r>
+              <a:rPr lang="en-US" sz="2400" cap="none" dirty="0" smtClean="0"/>
+              <a:t>, </a:t>
+            </a:r>
+            <a:r>
+              <a:rPr lang="en-US" sz="2400" cap="none" dirty="0" err="1" smtClean="0"/>
+              <a:t>keras</a:t>
+            </a:r>
+            <a:r>
+              <a:rPr lang="en-US" sz="2400" cap="none" dirty="0"/>
+              <a:t> </a:t>
+            </a:r>
+            <a:r>
+              <a:rPr lang="en-US" sz="2400" cap="none" dirty="0" smtClean="0"/>
+              <a:t>Is known for its user-friendliness, modularity, and ease Of extensibility. It's excellent for beginners and allows for Fast experimentation with neural networks.</a:t>
+            </a:r>
+            <a:endParaRPr lang="en-US" sz="2400" cap="none" dirty="0"/>
+          </a:p>
+        </p:txBody>
+      </p:sp>
+      <p:pic>
+        <p:nvPicPr>
+          <p:cNvPr id="2050" name="Picture 2" descr="Deep Learning Implementation with Keras &amp; Tensorflow | Analytics Vidhya"/>
+          <p:cNvPicPr>
+            <a:picLocks noChangeAspect="1" noChangeArrowheads="1"/>
+          </p:cNvPicPr>
+          <p:nvPr/>
+        </p:nvPicPr>
+        <p:blipFill>
+          <a:blip r:embed="rId2" cstate="print">
+            <a:extLst>
+              <a:ext uri="{28A0092B-C50C-407E-A947-70E740481C1C}">
+                <a14:useLocalDpi xmlns:a14="http://schemas.microsoft.com/office/drawing/2010/main" val="0"/>
+              </a:ext>
+            </a:extLst>
+          </a:blip>
+          <a:srcRect/>
+          <a:stretch>
+            <a:fillRect/>
+          </a:stretch>
+        </p:blipFill>
+        <p:spPr bwMode="auto">
+          <a:xfrm>
+            <a:off x="6819612" y="1679960"/>
+            <a:ext cx="4029962" cy="1168689"/>
+          </a:xfrm>
+          <a:prstGeom prst="rect">
+            <a:avLst/>
+          </a:prstGeom>
+          <a:noFill/>
+          <a:extLst>
+            <a:ext uri="{909E8E84-426E-40DD-AFC4-6F175D3DCCD1}">
+              <a14:hiddenFill xmlns:a14="http://schemas.microsoft.com/office/drawing/2010/main">
+                <a:solidFill>
+                  <a:srgbClr val="FFFFFF"/>
+                </a:solidFill>
+              </a14:hiddenFill>
+            </a:ext>
+          </a:extLst>
+        </p:spPr>
+      </p:pic>
+    </p:spTree>
+    <p:extLst>
+      <p:ext uri="{BB962C8B-B14F-4D97-AF65-F5344CB8AC3E}">
+        <p14:creationId xmlns:p14="http://schemas.microsoft.com/office/powerpoint/2010/main" val="1171601680"/>
+      </p:ext>
+    </p:extLst>
+  </p:cSld>
+  <p:clrMapOvr>
+    <a:masterClrMapping/>
+  </p:clrMapOvr>
+</p:sld>
+</file>
+
+<file path=ppt/slides/slide13.xml><?xml version="1.0" encoding="utf-8"?>
+<p:sld xmlns:a="http://schemas.openxmlformats.org/drawingml/2006/main" xmlns:r="http://schemas.openxmlformats.org/officeDocument/2006/relationships" xmlns:p="http://schemas.openxmlformats.org/presentationml/2006/main">
+  <p:cSld>
+    <p:spTree>
+      <p:nvGrpSpPr>
+        <p:cNvPr id="1" name=""/>
+        <p:cNvGrpSpPr/>
+        <p:nvPr/>
+      </p:nvGrpSpPr>
+      <p:grpSpPr>
+        <a:xfrm>
+          <a:off x="0" y="0"/>
+          <a:ext cx="0" cy="0"/>
+          <a:chOff x="0" y="0"/>
+          <a:chExt cx="0" cy="0"/>
+        </a:xfrm>
+      </p:grpSpPr>
+      <p:sp>
+        <p:nvSpPr>
+          <p:cNvPr id="3" name="Content Placeholder 2"/>
+          <p:cNvSpPr>
+            <a:spLocks noGrp="1"/>
+          </p:cNvSpPr>
+          <p:nvPr>
+            <p:ph sz="quarter" idx="13"/>
+          </p:nvPr>
+        </p:nvSpPr>
+        <p:spPr>
+          <a:xfrm>
+            <a:off x="671946" y="1827869"/>
+            <a:ext cx="10394707" cy="3311189"/>
+          </a:xfrm>
+        </p:spPr>
+        <p:txBody>
+          <a:bodyPr/>
+          <a:lstStyle/>
+          <a:p>
+            <a:pPr marL="0" indent="0">
+              <a:buNone/>
+            </a:pPr>
+            <a:r>
+              <a:rPr lang="en-US" sz="2400" dirty="0" err="1" smtClean="0"/>
+              <a:t>TensorFlow</a:t>
+            </a:r>
+            <a:r>
+              <a:rPr lang="en-US" sz="2400" dirty="0"/>
+              <a:t>:</a:t>
+            </a:r>
+          </a:p>
+          <a:p>
+            <a:pPr marL="0" indent="0" algn="just">
+              <a:buNone/>
+            </a:pPr>
+            <a:r>
+              <a:rPr lang="en-US" sz="2400" cap="none" dirty="0" smtClean="0"/>
+              <a:t>• Developed by google brain, </a:t>
+            </a:r>
+            <a:r>
+              <a:rPr lang="en-US" sz="2400" cap="none" dirty="0" err="1" smtClean="0"/>
+              <a:t>TensorFlow</a:t>
+            </a:r>
+            <a:r>
+              <a:rPr lang="en-US" sz="2400" cap="none" dirty="0" smtClean="0"/>
+              <a:t> is one of the most widely used libraries for deep learning. It offers flexible tools for designing and deploying machine learning models, including neural networks.</a:t>
+            </a:r>
+            <a:endParaRPr lang="en-US" sz="2400" cap="none" dirty="0"/>
+          </a:p>
+        </p:txBody>
+      </p:sp>
+      <p:sp>
+        <p:nvSpPr>
+          <p:cNvPr id="4" name="AutoShape 2" descr="TensorFlow - Wikipedia"/>
+          <p:cNvSpPr>
+            <a:spLocks noChangeAspect="1" noChangeArrowheads="1"/>
+          </p:cNvSpPr>
+          <p:nvPr/>
+        </p:nvSpPr>
+        <p:spPr bwMode="auto">
+          <a:xfrm>
+            <a:off x="155574" y="-144463"/>
+            <a:ext cx="2393661" cy="2393669"/>
+          </a:xfrm>
+          <a:prstGeom prst="rect">
+            <a:avLst/>
+          </a:prstGeom>
+          <a:noFill/>
+          <a:extLst>
+            <a:ext uri="{909E8E84-426E-40DD-AFC4-6F175D3DCCD1}">
+              <a14:hiddenFill xmlns:a14="http://schemas.microsoft.com/office/drawing/2010/main">
+                <a:solidFill>
+                  <a:srgbClr val="FFFFFF"/>
+                </a:solidFill>
+              </a14:hiddenFill>
+            </a:ext>
+          </a:extLst>
+        </p:spPr>
+        <p:txBody>
+          <a:bodyPr vert="horz" wrap="square" lIns="91440" tIns="45720" rIns="91440" bIns="45720" numCol="1" anchor="t" anchorCtr="0" compatLnSpc="1">
+            <a:prstTxWarp prst="textNoShape">
+              <a:avLst/>
+            </a:prstTxWarp>
+          </a:bodyPr>
+          <a:lstStyle/>
+          <a:p>
+            <a:endParaRPr lang="en-US"/>
+          </a:p>
+        </p:txBody>
+      </p:sp>
+      <p:pic>
+        <p:nvPicPr>
+          <p:cNvPr id="5" name="Picture 4"/>
+          <p:cNvPicPr>
+            <a:picLocks noChangeAspect="1"/>
+          </p:cNvPicPr>
+          <p:nvPr/>
+        </p:nvPicPr>
+        <p:blipFill>
+          <a:blip r:embed="rId2"/>
+          <a:stretch>
+            <a:fillRect/>
+          </a:stretch>
+        </p:blipFill>
+        <p:spPr>
+          <a:xfrm>
+            <a:off x="7373503" y="729094"/>
+            <a:ext cx="3122614" cy="2000251"/>
+          </a:xfrm>
+          <a:prstGeom prst="rect">
+            <a:avLst/>
+          </a:prstGeom>
+        </p:spPr>
+      </p:pic>
+    </p:spTree>
+    <p:extLst>
+      <p:ext uri="{BB962C8B-B14F-4D97-AF65-F5344CB8AC3E}">
+        <p14:creationId xmlns:p14="http://schemas.microsoft.com/office/powerpoint/2010/main" val="2549391863"/>
+      </p:ext>
+    </p:extLst>
+  </p:cSld>
+  <p:clrMapOvr>
+    <a:masterClrMapping/>
+  </p:clrMapOvr>
+</p:sld>
+</file>
+
+<file path=ppt/slides/slide14.xml><?xml version="1.0" encoding="utf-8"?>
+<p:sld xmlns:a="http://schemas.openxmlformats.org/drawingml/2006/main" xmlns:r="http://schemas.openxmlformats.org/officeDocument/2006/relationships" xmlns:p="http://schemas.openxmlformats.org/presentationml/2006/main">
+  <p:cSld>
+    <p:spTree>
+      <p:nvGrpSpPr>
+        <p:cNvPr id="1" name=""/>
+        <p:cNvGrpSpPr/>
+        <p:nvPr/>
+      </p:nvGrpSpPr>
+      <p:grpSpPr>
+        <a:xfrm>
+          <a:off x="0" y="0"/>
+          <a:ext cx="0" cy="0"/>
+          <a:chOff x="0" y="0"/>
+          <a:chExt cx="0" cy="0"/>
+        </a:xfrm>
+      </p:grpSpPr>
+      <p:sp>
+        <p:nvSpPr>
+          <p:cNvPr id="3" name="Content Placeholder 2"/>
+          <p:cNvSpPr>
+            <a:spLocks noGrp="1"/>
+          </p:cNvSpPr>
+          <p:nvPr>
+            <p:ph sz="quarter" idx="13"/>
+          </p:nvPr>
+        </p:nvSpPr>
+        <p:spPr>
+          <a:xfrm>
+            <a:off x="727363" y="1273687"/>
+            <a:ext cx="10394707" cy="3311189"/>
+          </a:xfrm>
+        </p:spPr>
+        <p:txBody>
+          <a:bodyPr>
+            <a:normAutofit/>
+          </a:bodyPr>
+          <a:lstStyle/>
+          <a:p>
+            <a:r>
+              <a:rPr lang="en-US" sz="2400" cap="none" dirty="0" err="1" smtClean="0"/>
+              <a:t>PyTorch</a:t>
+            </a:r>
+            <a:r>
+              <a:rPr lang="en-US" sz="2400" cap="none" dirty="0" smtClean="0"/>
+              <a:t>:</a:t>
+            </a:r>
+          </a:p>
+          <a:p>
+            <a:pPr marL="0" indent="0" algn="just">
+              <a:buNone/>
+            </a:pPr>
+            <a:r>
+              <a:rPr lang="en-US" sz="2400" cap="none" dirty="0" smtClean="0"/>
+              <a:t>Developed by face book's AI research lab, </a:t>
+            </a:r>
+            <a:r>
+              <a:rPr lang="en-US" sz="2400" cap="none" dirty="0" err="1" smtClean="0"/>
+              <a:t>PyTorch</a:t>
+            </a:r>
+            <a:r>
+              <a:rPr lang="en-US" sz="2400" cap="none" dirty="0" smtClean="0"/>
+              <a:t> known for its flexibility and dynamic computational graph, which allows changes to the network on the fly. It is particularly popular in research due to its ease and </a:t>
+            </a:r>
+            <a:r>
+              <a:rPr lang="en-US" sz="2400" cap="none" dirty="0" err="1" smtClean="0"/>
+              <a:t>pythonic</a:t>
+            </a:r>
+            <a:r>
+              <a:rPr lang="en-US" sz="2400" cap="none" dirty="0" smtClean="0"/>
+              <a:t> integration.</a:t>
+            </a:r>
+            <a:endParaRPr lang="en-US" cap="none" dirty="0"/>
+          </a:p>
+        </p:txBody>
+      </p:sp>
+      <p:pic>
+        <p:nvPicPr>
+          <p:cNvPr id="5" name="Picture 4"/>
+          <p:cNvPicPr>
+            <a:picLocks noChangeAspect="1"/>
+          </p:cNvPicPr>
+          <p:nvPr/>
+        </p:nvPicPr>
+        <p:blipFill>
+          <a:blip r:embed="rId2"/>
+          <a:stretch>
+            <a:fillRect/>
+          </a:stretch>
+        </p:blipFill>
+        <p:spPr>
+          <a:xfrm>
+            <a:off x="7518689" y="516449"/>
+            <a:ext cx="3028950" cy="1514475"/>
+          </a:xfrm>
+          <a:prstGeom prst="rect">
+            <a:avLst/>
+          </a:prstGeom>
+        </p:spPr>
+      </p:pic>
+    </p:spTree>
+    <p:extLst>
+      <p:ext uri="{BB962C8B-B14F-4D97-AF65-F5344CB8AC3E}">
+        <p14:creationId xmlns:p14="http://schemas.microsoft.com/office/powerpoint/2010/main" val="1856013309"/>
+      </p:ext>
+    </p:extLst>
+  </p:cSld>
+  <p:clrMapOvr>
+    <a:masterClrMapping/>
+  </p:clrMapOvr>
+</p:sld>
+</file>
+
+<file path=ppt/slides/slide15.xml><?xml version="1.0" encoding="utf-8"?>
+<p:sld xmlns:a="http://schemas.openxmlformats.org/drawingml/2006/main" xmlns:r="http://schemas.openxmlformats.org/officeDocument/2006/relationships" xmlns:p="http://schemas.openxmlformats.org/presentationml/2006/main">
+  <p:cSld>
+    <p:spTree>
+      <p:nvGrpSpPr>
+        <p:cNvPr id="1" name=""/>
+        <p:cNvGrpSpPr/>
+        <p:nvPr/>
+      </p:nvGrpSpPr>
+      <p:grpSpPr>
+        <a:xfrm>
+          <a:off x="0" y="0"/>
+          <a:ext cx="0" cy="0"/>
+          <a:chOff x="0" y="0"/>
+          <a:chExt cx="0" cy="0"/>
+        </a:xfrm>
+      </p:grpSpPr>
+      <p:pic>
+        <p:nvPicPr>
+          <p:cNvPr id="4" name="Picture 3"/>
+          <p:cNvPicPr>
+            <a:picLocks noChangeAspect="1"/>
+          </p:cNvPicPr>
+          <p:nvPr/>
+        </p:nvPicPr>
+        <p:blipFill>
+          <a:blip r:embed="rId2"/>
+          <a:stretch>
+            <a:fillRect/>
+          </a:stretch>
+        </p:blipFill>
+        <p:spPr>
+          <a:xfrm>
+            <a:off x="485068" y="360218"/>
+            <a:ext cx="10537031" cy="4904509"/>
+          </a:xfrm>
+          <a:prstGeom prst="rect">
+            <a:avLst/>
+          </a:prstGeom>
+        </p:spPr>
+      </p:pic>
+    </p:spTree>
+    <p:extLst>
+      <p:ext uri="{BB962C8B-B14F-4D97-AF65-F5344CB8AC3E}">
+        <p14:creationId xmlns:p14="http://schemas.microsoft.com/office/powerpoint/2010/main" val="2611294385"/>
+      </p:ext>
+    </p:extLst>
+  </p:cSld>
+  <p:clrMapOvr>
+    <a:masterClrMapping/>
+  </p:clrMapOvr>
+</p:sld>
+</file>
+
+<file path=ppt/slides/slide16.xml><?xml version="1.0" encoding="utf-8"?>
+<p:sld xmlns:a="http://schemas.openxmlformats.org/drawingml/2006/main" xmlns:r="http://schemas.openxmlformats.org/officeDocument/2006/relationships" xmlns:p="http://schemas.openxmlformats.org/presentationml/2006/main">
+  <p:cSld>
+    <p:spTree>
+      <p:nvGrpSpPr>
+        <p:cNvPr id="1" name=""/>
+        <p:cNvGrpSpPr/>
+        <p:nvPr/>
+      </p:nvGrpSpPr>
+      <p:grpSpPr>
+        <a:xfrm>
+          <a:off x="0" y="0"/>
+          <a:ext cx="0" cy="0"/>
+          <a:chOff x="0" y="0"/>
+          <a:chExt cx="0" cy="0"/>
+        </a:xfrm>
+      </p:grpSpPr>
+      <p:pic>
+        <p:nvPicPr>
+          <p:cNvPr id="2" name="Picture 1"/>
+          <p:cNvPicPr>
+            <a:picLocks noChangeAspect="1"/>
+          </p:cNvPicPr>
+          <p:nvPr/>
+        </p:nvPicPr>
+        <p:blipFill>
+          <a:blip r:embed="rId2"/>
+          <a:stretch>
+            <a:fillRect/>
+          </a:stretch>
+        </p:blipFill>
+        <p:spPr>
+          <a:xfrm>
+            <a:off x="174978" y="290945"/>
+            <a:ext cx="11504404" cy="5153303"/>
+          </a:xfrm>
+          <a:prstGeom prst="rect">
+            <a:avLst/>
+          </a:prstGeom>
+        </p:spPr>
+      </p:pic>
+    </p:spTree>
+    <p:extLst>
+      <p:ext uri="{BB962C8B-B14F-4D97-AF65-F5344CB8AC3E}">
+        <p14:creationId xmlns:p14="http://schemas.microsoft.com/office/powerpoint/2010/main" val="360243356"/>
+      </p:ext>
+    </p:extLst>
+  </p:cSld>
+  <p:clrMapOvr>
+    <a:masterClrMapping/>
+  </p:clrMapOvr>
+</p:sld>
+</file>
+
 <file path=ppt/slides/slide2.xml><?xml version="1.0" encoding="utf-8"?>
 <p:sld xmlns:a="http://schemas.openxmlformats.org/drawingml/2006/main" xmlns:r="http://schemas.openxmlformats.org/officeDocument/2006/relationships" xmlns:p="http://schemas.openxmlformats.org/presentationml/2006/main">
   <p:cSld>
@@ -6521,7 +7244,6 @@
               <a:rPr lang="en-US" sz="2000" dirty="0" smtClean="0"/>
               <a:t>LEARNING RATE:</a:t>
             </a:r>
-            <a:endParaRPr lang="en-US" sz="2000" dirty="0" smtClean="0"/>
           </a:p>
         </p:txBody>
       </p:sp>
@@ -7454,6 +8176,196 @@
     <p:extLst>
       <p:ext uri="{BB962C8B-B14F-4D97-AF65-F5344CB8AC3E}">
         <p14:creationId xmlns:p14="http://schemas.microsoft.com/office/powerpoint/2010/main" val="3567216053"/>
+      </p:ext>
+    </p:extLst>
+  </p:cSld>
+  <p:clrMapOvr>
+    <a:masterClrMapping/>
+  </p:clrMapOvr>
+</p:sld>
+</file>
+
+<file path=ppt/slides/slide9.xml><?xml version="1.0" encoding="utf-8"?>
+<p:sld xmlns:a="http://schemas.openxmlformats.org/drawingml/2006/main" xmlns:r="http://schemas.openxmlformats.org/officeDocument/2006/relationships" xmlns:p="http://schemas.openxmlformats.org/presentationml/2006/main">
+  <p:cSld>
+    <p:spTree>
+      <p:nvGrpSpPr>
+        <p:cNvPr id="1" name=""/>
+        <p:cNvGrpSpPr/>
+        <p:nvPr/>
+      </p:nvGrpSpPr>
+      <p:grpSpPr>
+        <a:xfrm>
+          <a:off x="0" y="0"/>
+          <a:ext cx="0" cy="0"/>
+          <a:chOff x="0" y="0"/>
+          <a:chExt cx="0" cy="0"/>
+        </a:xfrm>
+      </p:grpSpPr>
+      <p:sp>
+        <p:nvSpPr>
+          <p:cNvPr id="2" name="Title 1"/>
+          <p:cNvSpPr>
+            <a:spLocks noGrp="1"/>
+          </p:cNvSpPr>
+          <p:nvPr>
+            <p:ph type="title"/>
+          </p:nvPr>
+        </p:nvSpPr>
+        <p:spPr/>
+        <p:txBody>
+          <a:bodyPr>
+            <a:normAutofit fontScale="90000"/>
+          </a:bodyPr>
+          <a:lstStyle/>
+          <a:p>
+            <a:r>
+              <a:rPr lang="en-US" sz="3600" dirty="0"/>
+              <a:t>Type of MLP Based </a:t>
+            </a:r>
+            <a:r>
+              <a:rPr lang="en-US" sz="3600" dirty="0" smtClean="0"/>
+              <a:t>on output</a:t>
+            </a:r>
+            <a:r>
+              <a:rPr lang="en-US" dirty="0"/>
+              <a:t/>
+            </a:r>
+            <a:br>
+              <a:rPr lang="en-US" dirty="0"/>
+            </a:br>
+            <a:endParaRPr lang="en-US" dirty="0"/>
+          </a:p>
+        </p:txBody>
+      </p:sp>
+      <p:sp>
+        <p:nvSpPr>
+          <p:cNvPr id="3" name="Content Placeholder 2"/>
+          <p:cNvSpPr>
+            <a:spLocks noGrp="1"/>
+          </p:cNvSpPr>
+          <p:nvPr>
+            <p:ph sz="quarter" idx="13"/>
+          </p:nvPr>
+        </p:nvSpPr>
+        <p:spPr/>
+        <p:txBody>
+          <a:bodyPr/>
+          <a:lstStyle/>
+          <a:p>
+            <a:r>
+              <a:rPr lang="en-US" cap="none" dirty="0" err="1" smtClean="0"/>
+              <a:t>Softmax</a:t>
+            </a:r>
+            <a:r>
+              <a:rPr lang="en-US" cap="none" dirty="0" smtClean="0"/>
+              <a:t> function in the output layer for categorical probability distributions</a:t>
+            </a:r>
+          </a:p>
+          <a:p>
+            <a:r>
+              <a:rPr lang="en-US" cap="none" dirty="0" smtClean="0"/>
+              <a:t>Linear activation function in the output layer</a:t>
+            </a:r>
+            <a:endParaRPr lang="en-US" cap="none" dirty="0"/>
+          </a:p>
+        </p:txBody>
+      </p:sp>
+      <p:sp>
+        <p:nvSpPr>
+          <p:cNvPr id="4" name="Content Placeholder 3"/>
+          <p:cNvSpPr>
+            <a:spLocks noGrp="1"/>
+          </p:cNvSpPr>
+          <p:nvPr>
+            <p:ph sz="quarter" idx="14"/>
+          </p:nvPr>
+        </p:nvSpPr>
+        <p:spPr/>
+        <p:txBody>
+          <a:bodyPr/>
+          <a:lstStyle/>
+          <a:p>
+            <a:r>
+              <a:rPr lang="en-US" cap="none" dirty="0" smtClean="0"/>
+              <a:t>Multi-class classification problems such as digit recognition, text classification</a:t>
+            </a:r>
+          </a:p>
+          <a:p>
+            <a:r>
+              <a:rPr lang="en-US" cap="none" dirty="0" smtClean="0"/>
+              <a:t>Regression tasks where the output is continuous</a:t>
+            </a:r>
+            <a:endParaRPr lang="en-US" cap="none" dirty="0"/>
+          </a:p>
+        </p:txBody>
+      </p:sp>
+      <p:sp>
+        <p:nvSpPr>
+          <p:cNvPr id="6" name="Rectangle 5"/>
+          <p:cNvSpPr/>
+          <p:nvPr/>
+        </p:nvSpPr>
+        <p:spPr>
+          <a:xfrm>
+            <a:off x="-157656" y="1520774"/>
+            <a:ext cx="6096000" cy="461665"/>
+          </a:xfrm>
+          <a:prstGeom prst="rect">
+            <a:avLst/>
+          </a:prstGeom>
+        </p:spPr>
+        <p:txBody>
+          <a:bodyPr>
+            <a:spAutoFit/>
+          </a:bodyPr>
+          <a:lstStyle/>
+          <a:p>
+            <a:pPr algn="ctr"/>
+            <a:r>
+              <a:rPr lang="en-US" sz="2400" dirty="0" err="1" smtClean="0"/>
+              <a:t>Softmax</a:t>
+            </a:r>
+            <a:r>
+              <a:rPr lang="en-US" sz="2400" dirty="0" smtClean="0"/>
+              <a:t> MLPs</a:t>
+            </a:r>
+            <a:endParaRPr lang="en-US" sz="2400" dirty="0"/>
+          </a:p>
+        </p:txBody>
+      </p:sp>
+      <p:sp>
+        <p:nvSpPr>
+          <p:cNvPr id="7" name="Rectangle 6"/>
+          <p:cNvSpPr/>
+          <p:nvPr/>
+        </p:nvSpPr>
+        <p:spPr>
+          <a:xfrm>
+            <a:off x="7079673" y="1520774"/>
+            <a:ext cx="2861681" cy="461665"/>
+          </a:xfrm>
+          <a:prstGeom prst="rect">
+            <a:avLst/>
+          </a:prstGeom>
+        </p:spPr>
+        <p:txBody>
+          <a:bodyPr wrap="none">
+            <a:spAutoFit/>
+          </a:bodyPr>
+          <a:lstStyle/>
+          <a:p>
+            <a:r>
+              <a:rPr lang="en-US" sz="2400" dirty="0"/>
+              <a:t>Linear Output MLPs</a:t>
+            </a:r>
+          </a:p>
+        </p:txBody>
+      </p:sp>
+    </p:spTree>
+    <p:extLst>
+      <p:ext uri="{BB962C8B-B14F-4D97-AF65-F5344CB8AC3E}">
+        <p14:creationId xmlns:p14="http://schemas.microsoft.com/office/powerpoint/2010/main" val="3486117979"/>
       </p:ext>
     </p:extLst>
   </p:cSld>

--- a/Lectures/MLP.pptx
+++ b/Lectures/MLP.pptx
@@ -7074,6 +7074,13 @@
   <p:clrMapOvr>
     <a:masterClrMapping/>
   </p:clrMapOvr>
+  <p:timing>
+    <p:tnLst>
+      <p:par>
+        <p:cTn id="1" dur="indefinite" restart="never" nodeType="tmRoot"/>
+      </p:par>
+    </p:tnLst>
+  </p:timing>
 </p:sld>
 </file>
 
@@ -7285,6 +7292,13 @@
   <p:clrMapOvr>
     <a:masterClrMapping/>
   </p:clrMapOvr>
+  <p:timing>
+    <p:tnLst>
+      <p:par>
+        <p:cTn id="1" dur="indefinite" restart="never" nodeType="tmRoot"/>
+      </p:par>
+    </p:tnLst>
+  </p:timing>
 </p:sld>
 </file>
 
@@ -7341,7 +7355,19 @@
             </a:pPr>
             <a:r>
               <a:rPr lang="en-US" sz="1800" cap="none" dirty="0" smtClean="0"/>
-              <a:t>Functions like sigmoid, </a:t>
+              <a:t>Functions like </a:t>
+            </a:r>
+            <a:r>
+              <a:rPr lang="en-US" sz="1800" cap="none" dirty="0" err="1" smtClean="0"/>
+              <a:t>softmax</a:t>
+            </a:r>
+            <a:r>
+              <a:rPr lang="en-US" sz="1800" cap="none" dirty="0" smtClean="0"/>
+              <a:t>, sigmoid</a:t>
+            </a:r>
+            <a:r>
+              <a:rPr lang="en-US" sz="1800" cap="none" dirty="0" smtClean="0"/>
+              <a:t>, </a:t>
             </a:r>
             <a:r>
               <a:rPr lang="en-US" sz="1800" cap="none" dirty="0" err="1"/>
@@ -7377,6 +7403,13 @@
   <p:clrMapOvr>
     <a:masterClrMapping/>
   </p:clrMapOvr>
+  <p:timing>
+    <p:tnLst>
+      <p:par>
+        <p:cTn id="1" dur="indefinite" restart="never" nodeType="tmRoot"/>
+      </p:par>
+    </p:tnLst>
+  </p:timing>
 </p:sld>
 </file>
 
@@ -7498,7 +7531,11 @@
           <a:p>
             <a:r>
               <a:rPr lang="en-US" cap="none" dirty="0" smtClean="0"/>
-              <a:t>Basic pattern recognition, simple Classification and regression tasks</a:t>
+              <a:t>simple </a:t>
+            </a:r>
+            <a:r>
+              <a:rPr lang="en-US" cap="none" dirty="0" smtClean="0"/>
+              <a:t>Classification and regression tasks</a:t>
             </a:r>
             <a:endParaRPr lang="en-US" cap="none" dirty="0"/>
           </a:p>
@@ -7572,6 +7609,13 @@
   <p:clrMapOvr>
     <a:masterClrMapping/>
   </p:clrMapOvr>
+  <p:timing>
+    <p:tnLst>
+      <p:par>
+        <p:cTn id="1" dur="indefinite" restart="never" nodeType="tmRoot"/>
+      </p:par>
+    </p:tnLst>
+  </p:timing>
 </p:sld>
 </file>
 
@@ -7845,7 +7889,7 @@
         </p:nvSpPr>
         <p:spPr>
           <a:xfrm>
-            <a:off x="685800" y="2319064"/>
+            <a:off x="727363" y="2636761"/>
             <a:ext cx="5088714" cy="1828451"/>
           </a:xfrm>
         </p:spPr>
@@ -7879,7 +7923,7 @@
         </p:nvSpPr>
         <p:spPr>
           <a:xfrm>
-            <a:off x="6229498" y="2450044"/>
+            <a:off x="6243353" y="2698317"/>
             <a:ext cx="5086538" cy="1317113"/>
           </a:xfrm>
         </p:spPr>
@@ -7919,7 +7963,7 @@
         </p:nvSpPr>
         <p:spPr>
           <a:xfrm>
-            <a:off x="1909363" y="1385816"/>
+            <a:off x="1923218" y="1734054"/>
             <a:ext cx="2323072" cy="523220"/>
           </a:xfrm>
           <a:prstGeom prst="rect">
@@ -7948,7 +7992,7 @@
         </p:nvSpPr>
         <p:spPr>
           <a:xfrm>
-            <a:off x="7598585" y="1416594"/>
+            <a:off x="7654004" y="1554621"/>
             <a:ext cx="1877309" cy="523220"/>
           </a:xfrm>
           <a:prstGeom prst="rect">
@@ -8259,15 +8303,21 @@
             </a:r>
             <a:r>
               <a:rPr lang="en-US" cap="none" dirty="0" smtClean="0"/>
-              <a:t> function in the output layer for categorical probability distributions</a:t>
-            </a:r>
-          </a:p>
-          <a:p>
+              <a:t> function in the output layer for categorical probability </a:t>
+            </a:r>
             <a:r>
               <a:rPr lang="en-US" cap="none" dirty="0" smtClean="0"/>
-              <a:t>Linear activation function in the output layer</a:t>
-            </a:r>
-            <a:endParaRPr lang="en-US" cap="none" dirty="0"/>
+              <a:t>distributions</a:t>
+            </a:r>
+          </a:p>
+          <a:p>
+            <a:r>
+              <a:rPr lang="en-US" cap="none" dirty="0"/>
+              <a:t>Multi-class classification problems such as digit recognition, text classification</a:t>
+            </a:r>
+          </a:p>
+          <a:p>
+            <a:endParaRPr lang="en-US" cap="none" dirty="0" smtClean="0"/>
           </a:p>
         </p:txBody>
       </p:sp>
@@ -8287,14 +8337,23 @@
           <a:lstStyle/>
           <a:p>
             <a:r>
+              <a:rPr lang="en-US" cap="none" dirty="0"/>
+              <a:t>Linear activation function in the output </a:t>
+            </a:r>
+            <a:r>
               <a:rPr lang="en-US" cap="none" dirty="0" smtClean="0"/>
-              <a:t>Multi-class classification problems such as digit recognition, text classification</a:t>
-            </a:r>
+              <a:t>layer</a:t>
+            </a:r>
+            <a:endParaRPr lang="en-US" cap="none" dirty="0" smtClean="0"/>
           </a:p>
           <a:p>
             <a:r>
               <a:rPr lang="en-US" cap="none" dirty="0" smtClean="0"/>
-              <a:t>Regression tasks where the output is continuous</a:t>
+              <a:t>Regression </a:t>
+            </a:r>
+            <a:r>
+              <a:rPr lang="en-US" cap="none" dirty="0" smtClean="0"/>
+              <a:t>tasks where the output is continuous</a:t>
             </a:r>
             <a:endParaRPr lang="en-US" cap="none" dirty="0"/>
           </a:p>
